--- a/[S5]软件需求变更/评审/SRA-G14-需求变更评审 v0.1.2.pptx
+++ b/[S5]软件需求变更/评审/SRA-G14-需求变更评审 v0.1.2.pptx
@@ -35139,15 +35139,6 @@
                       <a:pPr indent="0" algn="ctr">
                         <a:buNone/>
                       </a:pPr>
-                      <a:r>
-                        <a:rPr lang="en-US" altLang="en-US" sz="2400" b="0">
-                          <a:solidFill>
-                            <a:srgbClr val="000000"/>
-                          </a:solidFill>
-                          <a:latin typeface="宋体" panose="02010600030101010101" pitchFamily="2" charset="-122"/>
-                        </a:rPr>
-                        <a:t>9</a:t>
-                      </a:r>
                       <a:endParaRPr lang="en-US" altLang="en-US" sz="2400" b="0">
                         <a:solidFill>
                           <a:srgbClr val="000000"/>
@@ -35165,15 +35156,6 @@
                       <a:pPr indent="0" algn="ctr">
                         <a:buNone/>
                       </a:pPr>
-                      <a:r>
-                        <a:rPr lang="en-US" altLang="en-US" sz="2400" b="0">
-                          <a:solidFill>
-                            <a:srgbClr val="000000"/>
-                          </a:solidFill>
-                          <a:latin typeface="宋体" panose="02010600030101010101" pitchFamily="2" charset="-122"/>
-                        </a:rPr>
-                        <a:t>8.9</a:t>
-                      </a:r>
                       <a:endParaRPr lang="en-US" altLang="en-US" sz="2400" b="0">
                         <a:solidFill>
                           <a:srgbClr val="000000"/>
@@ -35349,15 +35331,6 @@
                       <a:pPr indent="0" algn="ctr">
                         <a:buNone/>
                       </a:pPr>
-                      <a:r>
-                        <a:rPr lang="en-US" altLang="en-US" sz="2400" b="0">
-                          <a:solidFill>
-                            <a:srgbClr val="000000"/>
-                          </a:solidFill>
-                          <a:latin typeface="宋体" panose="02010600030101010101" pitchFamily="2" charset="-122"/>
-                        </a:rPr>
-                        <a:t>9</a:t>
-                      </a:r>
                       <a:endParaRPr lang="en-US" altLang="en-US" sz="2400" b="0">
                         <a:solidFill>
                           <a:srgbClr val="000000"/>
@@ -35375,15 +35348,6 @@
                       <a:pPr indent="0" algn="ctr">
                         <a:buNone/>
                       </a:pPr>
-                      <a:r>
-                        <a:rPr lang="en-US" altLang="en-US" sz="2400" b="0">
-                          <a:solidFill>
-                            <a:srgbClr val="000000"/>
-                          </a:solidFill>
-                          <a:latin typeface="宋体" panose="02010600030101010101" pitchFamily="2" charset="-122"/>
-                        </a:rPr>
-                        <a:t>7.95</a:t>
-                      </a:r>
                       <a:endParaRPr lang="en-US" altLang="en-US" sz="2400" b="0">
                         <a:solidFill>
                           <a:srgbClr val="000000"/>
@@ -35559,15 +35523,6 @@
                       <a:pPr indent="0" algn="ctr">
                         <a:buNone/>
                       </a:pPr>
-                      <a:r>
-                        <a:rPr lang="en-US" altLang="en-US" sz="2400" b="0">
-                          <a:solidFill>
-                            <a:srgbClr val="000000"/>
-                          </a:solidFill>
-                          <a:latin typeface="宋体" panose="02010600030101010101" pitchFamily="2" charset="-122"/>
-                        </a:rPr>
-                        <a:t>9</a:t>
-                      </a:r>
                       <a:endParaRPr lang="en-US" altLang="en-US" sz="2400" b="0">
                         <a:solidFill>
                           <a:srgbClr val="000000"/>
@@ -35585,15 +35540,6 @@
                       <a:pPr indent="0" algn="ctr">
                         <a:buNone/>
                       </a:pPr>
-                      <a:r>
-                        <a:rPr lang="en-US" altLang="en-US" sz="2400" b="0">
-                          <a:solidFill>
-                            <a:srgbClr val="000000"/>
-                          </a:solidFill>
-                          <a:latin typeface="宋体" panose="02010600030101010101" pitchFamily="2" charset="-122"/>
-                        </a:rPr>
-                        <a:t>8.45</a:t>
-                      </a:r>
                       <a:endParaRPr lang="en-US" altLang="en-US" sz="2400" b="0">
                         <a:solidFill>
                           <a:srgbClr val="000000"/>
@@ -35753,15 +35699,6 @@
                       <a:pPr indent="0" algn="ctr">
                         <a:buNone/>
                       </a:pPr>
-                      <a:r>
-                        <a:rPr lang="en-US" altLang="en-US" sz="2400" b="0">
-                          <a:solidFill>
-                            <a:srgbClr val="000000"/>
-                          </a:solidFill>
-                          <a:latin typeface="宋体" panose="02010600030101010101" pitchFamily="2" charset="-122"/>
-                        </a:rPr>
-                        <a:t>8</a:t>
-                      </a:r>
                       <a:endParaRPr lang="en-US" altLang="en-US" sz="2400" b="0">
                         <a:solidFill>
                           <a:srgbClr val="000000"/>
@@ -35779,15 +35716,6 @@
                       <a:pPr indent="0" algn="ctr">
                         <a:buNone/>
                       </a:pPr>
-                      <a:r>
-                        <a:rPr lang="en-US" altLang="en-US" sz="2400" b="0">
-                          <a:solidFill>
-                            <a:srgbClr val="000000"/>
-                          </a:solidFill>
-                          <a:latin typeface="宋体" panose="02010600030101010101" pitchFamily="2" charset="-122"/>
-                        </a:rPr>
-                        <a:t>8.4</a:t>
-                      </a:r>
                       <a:endParaRPr lang="en-US" altLang="en-US" sz="2400" b="0">
                         <a:solidFill>
                           <a:srgbClr val="000000"/>
@@ -35959,15 +35887,6 @@
                       <a:pPr indent="0" algn="ctr">
                         <a:buNone/>
                       </a:pPr>
-                      <a:r>
-                        <a:rPr lang="en-US" altLang="en-US" sz="2400" b="0">
-                          <a:solidFill>
-                            <a:srgbClr val="000000"/>
-                          </a:solidFill>
-                          <a:latin typeface="宋体" panose="02010600030101010101" pitchFamily="2" charset="-122"/>
-                        </a:rPr>
-                        <a:t>9</a:t>
-                      </a:r>
                       <a:endParaRPr lang="en-US" altLang="en-US" sz="2400" b="0">
                         <a:solidFill>
                           <a:srgbClr val="000000"/>
@@ -35985,15 +35904,6 @@
                       <a:pPr indent="0" algn="ctr">
                         <a:buNone/>
                       </a:pPr>
-                      <a:r>
-                        <a:rPr lang="en-US" altLang="en-US" sz="2400" b="0">
-                          <a:solidFill>
-                            <a:srgbClr val="000000"/>
-                          </a:solidFill>
-                          <a:latin typeface="宋体" panose="02010600030101010101" pitchFamily="2" charset="-122"/>
-                        </a:rPr>
-                        <a:t>8.15</a:t>
-                      </a:r>
                       <a:endParaRPr lang="en-US" altLang="en-US" sz="2400" b="0">
                         <a:solidFill>
                           <a:srgbClr val="000000"/>
